--- a/docs/reference/figures/Cheat_Sheet_imputeTS.pptx
+++ b/docs/reference/figures/Cheat_Sheet_imputeTS.pptx
@@ -14494,7 +14494,7 @@
                           <a:cs typeface="Source Sans Pro Semibold"/>
                           <a:sym typeface="Source Sans Pro Semibold"/>
                         </a:rPr>
-                        <a:t>ggplot_na_intervals</a:t>
+                        <a:t>ggplot_na_distribution2</a:t>
                       </a:r>
                       <a:endParaRPr sz="1100" b="0" i="0" dirty="0">
                         <a:latin typeface="+mn-lt"/>
